--- a/doc/TPCAM-M30 클래스 흐름도.pptx
+++ b/doc/TPCAM-M30 클래스 흐름도.pptx
@@ -275,7 +275,7 @@
           <a:p>
             <a:fld id="{BAA44BE4-9EA0-4F66-A8C6-45C25AE266B9}" type="datetimeFigureOut">
               <a:rPr lang="ko-KR" altLang="en-US" smtClean="0"/>
-              <a:t>2024-01-10</a:t>
+              <a:t>2024-01-25</a:t>
             </a:fld>
             <a:endParaRPr lang="ko-KR" altLang="en-US"/>
           </a:p>
@@ -473,7 +473,7 @@
           <a:p>
             <a:fld id="{BAA44BE4-9EA0-4F66-A8C6-45C25AE266B9}" type="datetimeFigureOut">
               <a:rPr lang="ko-KR" altLang="en-US" smtClean="0"/>
-              <a:t>2024-01-10</a:t>
+              <a:t>2024-01-25</a:t>
             </a:fld>
             <a:endParaRPr lang="ko-KR" altLang="en-US"/>
           </a:p>
@@ -681,7 +681,7 @@
           <a:p>
             <a:fld id="{BAA44BE4-9EA0-4F66-A8C6-45C25AE266B9}" type="datetimeFigureOut">
               <a:rPr lang="ko-KR" altLang="en-US" smtClean="0"/>
-              <a:t>2024-01-10</a:t>
+              <a:t>2024-01-25</a:t>
             </a:fld>
             <a:endParaRPr lang="ko-KR" altLang="en-US"/>
           </a:p>
@@ -879,7 +879,7 @@
           <a:p>
             <a:fld id="{BAA44BE4-9EA0-4F66-A8C6-45C25AE266B9}" type="datetimeFigureOut">
               <a:rPr lang="ko-KR" altLang="en-US" smtClean="0"/>
-              <a:t>2024-01-10</a:t>
+              <a:t>2024-01-25</a:t>
             </a:fld>
             <a:endParaRPr lang="ko-KR" altLang="en-US"/>
           </a:p>
@@ -1154,7 +1154,7 @@
           <a:p>
             <a:fld id="{BAA44BE4-9EA0-4F66-A8C6-45C25AE266B9}" type="datetimeFigureOut">
               <a:rPr lang="ko-KR" altLang="en-US" smtClean="0"/>
-              <a:t>2024-01-10</a:t>
+              <a:t>2024-01-25</a:t>
             </a:fld>
             <a:endParaRPr lang="ko-KR" altLang="en-US"/>
           </a:p>
@@ -1419,7 +1419,7 @@
           <a:p>
             <a:fld id="{BAA44BE4-9EA0-4F66-A8C6-45C25AE266B9}" type="datetimeFigureOut">
               <a:rPr lang="ko-KR" altLang="en-US" smtClean="0"/>
-              <a:t>2024-01-10</a:t>
+              <a:t>2024-01-25</a:t>
             </a:fld>
             <a:endParaRPr lang="ko-KR" altLang="en-US"/>
           </a:p>
@@ -1831,7 +1831,7 @@
           <a:p>
             <a:fld id="{BAA44BE4-9EA0-4F66-A8C6-45C25AE266B9}" type="datetimeFigureOut">
               <a:rPr lang="ko-KR" altLang="en-US" smtClean="0"/>
-              <a:t>2024-01-10</a:t>
+              <a:t>2024-01-25</a:t>
             </a:fld>
             <a:endParaRPr lang="ko-KR" altLang="en-US"/>
           </a:p>
@@ -1972,7 +1972,7 @@
           <a:p>
             <a:fld id="{BAA44BE4-9EA0-4F66-A8C6-45C25AE266B9}" type="datetimeFigureOut">
               <a:rPr lang="ko-KR" altLang="en-US" smtClean="0"/>
-              <a:t>2024-01-10</a:t>
+              <a:t>2024-01-25</a:t>
             </a:fld>
             <a:endParaRPr lang="ko-KR" altLang="en-US"/>
           </a:p>
@@ -2085,7 +2085,7 @@
           <a:p>
             <a:fld id="{BAA44BE4-9EA0-4F66-A8C6-45C25AE266B9}" type="datetimeFigureOut">
               <a:rPr lang="ko-KR" altLang="en-US" smtClean="0"/>
-              <a:t>2024-01-10</a:t>
+              <a:t>2024-01-25</a:t>
             </a:fld>
             <a:endParaRPr lang="ko-KR" altLang="en-US"/>
           </a:p>
@@ -2396,7 +2396,7 @@
           <a:p>
             <a:fld id="{BAA44BE4-9EA0-4F66-A8C6-45C25AE266B9}" type="datetimeFigureOut">
               <a:rPr lang="ko-KR" altLang="en-US" smtClean="0"/>
-              <a:t>2024-01-10</a:t>
+              <a:t>2024-01-25</a:t>
             </a:fld>
             <a:endParaRPr lang="ko-KR" altLang="en-US"/>
           </a:p>
@@ -2684,7 +2684,7 @@
           <a:p>
             <a:fld id="{BAA44BE4-9EA0-4F66-A8C6-45C25AE266B9}" type="datetimeFigureOut">
               <a:rPr lang="ko-KR" altLang="en-US" smtClean="0"/>
-              <a:t>2024-01-10</a:t>
+              <a:t>2024-01-25</a:t>
             </a:fld>
             <a:endParaRPr lang="ko-KR" altLang="en-US"/>
           </a:p>
@@ -2925,7 +2925,7 @@
           <a:p>
             <a:fld id="{BAA44BE4-9EA0-4F66-A8C6-45C25AE266B9}" type="datetimeFigureOut">
               <a:rPr lang="ko-KR" altLang="en-US" smtClean="0"/>
-              <a:t>2024-01-10</a:t>
+              <a:t>2024-01-25</a:t>
             </a:fld>
             <a:endParaRPr lang="ko-KR" altLang="en-US"/>
           </a:p>
@@ -3920,49 +3920,6 @@
       </p:cxnSp>
       <p:cxnSp>
         <p:nvCxnSpPr>
-          <p:cNvPr id="21" name="직선 화살표 연결선 20">
-            <a:extLst>
-              <a:ext uri="{FF2B5EF4-FFF2-40B4-BE49-F238E27FC236}">
-                <a16:creationId xmlns:a16="http://schemas.microsoft.com/office/drawing/2014/main" id="{F4C04F31-2261-7960-53A9-EAF1EC4490C7}"/>
-              </a:ext>
-            </a:extLst>
-          </p:cNvPr>
-          <p:cNvCxnSpPr>
-            <a:cxnSpLocks/>
-            <a:stCxn id="8" idx="3"/>
-            <a:endCxn id="14" idx="1"/>
-          </p:cNvCxnSpPr>
-          <p:nvPr/>
-        </p:nvCxnSpPr>
-        <p:spPr>
-          <a:xfrm>
-            <a:off x="4544291" y="3245427"/>
-            <a:ext cx="314037" cy="0"/>
-          </a:xfrm>
-          <a:prstGeom prst="straightConnector1">
-            <a:avLst/>
-          </a:prstGeom>
-          <a:ln>
-            <a:tailEnd type="triangle"/>
-          </a:ln>
-        </p:spPr>
-        <p:style>
-          <a:lnRef idx="1">
-            <a:schemeClr val="accent1"/>
-          </a:lnRef>
-          <a:fillRef idx="0">
-            <a:schemeClr val="accent1"/>
-          </a:fillRef>
-          <a:effectRef idx="0">
-            <a:schemeClr val="accent1"/>
-          </a:effectRef>
-          <a:fontRef idx="minor">
-            <a:schemeClr val="tx1"/>
-          </a:fontRef>
-        </p:style>
-      </p:cxnSp>
-      <p:cxnSp>
-        <p:nvCxnSpPr>
           <p:cNvPr id="36" name="연결선: 꺾임 35">
             <a:extLst>
               <a:ext uri="{FF2B5EF4-FFF2-40B4-BE49-F238E27FC236}">
@@ -4362,6 +4319,271 @@
           </a:p>
         </p:txBody>
       </p:sp>
+      <p:sp>
+        <p:nvSpPr>
+          <p:cNvPr id="2" name="TextBox 1">
+            <a:extLst>
+              <a:ext uri="{FF2B5EF4-FFF2-40B4-BE49-F238E27FC236}">
+                <a16:creationId xmlns:a16="http://schemas.microsoft.com/office/drawing/2014/main" id="{A948B6A2-8C1E-7CB7-9B5F-A7CCA603B684}"/>
+              </a:ext>
+            </a:extLst>
+          </p:cNvPr>
+          <p:cNvSpPr txBox="1"/>
+          <p:nvPr/>
+        </p:nvSpPr>
+        <p:spPr>
+          <a:xfrm>
+            <a:off x="3511560" y="1333043"/>
+            <a:ext cx="1189749" cy="369332"/>
+          </a:xfrm>
+          <a:prstGeom prst="rect">
+            <a:avLst/>
+          </a:prstGeom>
+          <a:noFill/>
+        </p:spPr>
+        <p:txBody>
+          <a:bodyPr wrap="none" rtlCol="0">
+            <a:spAutoFit/>
+          </a:bodyPr>
+          <a:lstStyle/>
+          <a:p>
+            <a:r>
+              <a:rPr lang="ko-KR" altLang="en-US" dirty="0"/>
+              <a:t>자동 실행</a:t>
+            </a:r>
+          </a:p>
+        </p:txBody>
+      </p:sp>
+      <p:sp>
+        <p:nvSpPr>
+          <p:cNvPr id="5" name="TextBox 4">
+            <a:extLst>
+              <a:ext uri="{FF2B5EF4-FFF2-40B4-BE49-F238E27FC236}">
+                <a16:creationId xmlns:a16="http://schemas.microsoft.com/office/drawing/2014/main" id="{B2397AFD-8869-F434-B3CE-FA7DE80B7F43}"/>
+              </a:ext>
+            </a:extLst>
+          </p:cNvPr>
+          <p:cNvSpPr txBox="1"/>
+          <p:nvPr/>
+        </p:nvSpPr>
+        <p:spPr>
+          <a:xfrm>
+            <a:off x="4187164" y="2114701"/>
+            <a:ext cx="2276585" cy="369332"/>
+          </a:xfrm>
+          <a:prstGeom prst="rect">
+            <a:avLst/>
+          </a:prstGeom>
+          <a:noFill/>
+        </p:spPr>
+        <p:txBody>
+          <a:bodyPr wrap="none" rtlCol="0">
+            <a:spAutoFit/>
+          </a:bodyPr>
+          <a:lstStyle/>
+          <a:p>
+            <a:r>
+              <a:rPr lang="ko-KR" altLang="en-US" dirty="0"/>
+              <a:t>셀프 테스트 실패 시</a:t>
+            </a:r>
+          </a:p>
+        </p:txBody>
+      </p:sp>
+      <p:sp>
+        <p:nvSpPr>
+          <p:cNvPr id="11" name="TextBox 10">
+            <a:extLst>
+              <a:ext uri="{FF2B5EF4-FFF2-40B4-BE49-F238E27FC236}">
+                <a16:creationId xmlns:a16="http://schemas.microsoft.com/office/drawing/2014/main" id="{10034A3E-6466-DE35-E86B-D9EEDC0A33BC}"/>
+              </a:ext>
+            </a:extLst>
+          </p:cNvPr>
+          <p:cNvSpPr txBox="1"/>
+          <p:nvPr/>
+        </p:nvSpPr>
+        <p:spPr>
+          <a:xfrm>
+            <a:off x="3524367" y="2462190"/>
+            <a:ext cx="1189749" cy="369332"/>
+          </a:xfrm>
+          <a:prstGeom prst="rect">
+            <a:avLst/>
+          </a:prstGeom>
+          <a:noFill/>
+        </p:spPr>
+        <p:txBody>
+          <a:bodyPr wrap="none" rtlCol="0">
+            <a:spAutoFit/>
+          </a:bodyPr>
+          <a:lstStyle/>
+          <a:p>
+            <a:r>
+              <a:rPr lang="ko-KR" altLang="en-US" dirty="0"/>
+              <a:t>자동 실행</a:t>
+            </a:r>
+          </a:p>
+        </p:txBody>
+      </p:sp>
+      <p:sp>
+        <p:nvSpPr>
+          <p:cNvPr id="12" name="TextBox 11">
+            <a:extLst>
+              <a:ext uri="{FF2B5EF4-FFF2-40B4-BE49-F238E27FC236}">
+                <a16:creationId xmlns:a16="http://schemas.microsoft.com/office/drawing/2014/main" id="{5D8F5715-0636-7EA1-87F7-69BBEE40773E}"/>
+              </a:ext>
+            </a:extLst>
+          </p:cNvPr>
+          <p:cNvSpPr txBox="1"/>
+          <p:nvPr/>
+        </p:nvSpPr>
+        <p:spPr>
+          <a:xfrm>
+            <a:off x="3967873" y="3353375"/>
+            <a:ext cx="2495876" cy="369332"/>
+          </a:xfrm>
+          <a:prstGeom prst="rect">
+            <a:avLst/>
+          </a:prstGeom>
+          <a:noFill/>
+        </p:spPr>
+        <p:txBody>
+          <a:bodyPr wrap="none" rtlCol="0">
+            <a:spAutoFit/>
+          </a:bodyPr>
+          <a:lstStyle/>
+          <a:p>
+            <a:r>
+              <a:rPr lang="en-US" altLang="ko-KR" dirty="0" err="1"/>
+              <a:t>DateTime</a:t>
+            </a:r>
+            <a:r>
+              <a:rPr lang="ko-KR" altLang="en-US" dirty="0"/>
+              <a:t> 버튼 </a:t>
+            </a:r>
+            <a:r>
+              <a:rPr lang="ko-KR" altLang="en-US" dirty="0" err="1"/>
+              <a:t>클릭시</a:t>
+            </a:r>
+            <a:endParaRPr lang="ko-KR" altLang="en-US" dirty="0"/>
+          </a:p>
+        </p:txBody>
+      </p:sp>
+      <p:sp>
+        <p:nvSpPr>
+          <p:cNvPr id="13" name="TextBox 12">
+            <a:extLst>
+              <a:ext uri="{FF2B5EF4-FFF2-40B4-BE49-F238E27FC236}">
+                <a16:creationId xmlns:a16="http://schemas.microsoft.com/office/drawing/2014/main" id="{48FBFF0F-B86E-313D-8AAB-D870D3984997}"/>
+              </a:ext>
+            </a:extLst>
+          </p:cNvPr>
+          <p:cNvSpPr txBox="1"/>
+          <p:nvPr/>
+        </p:nvSpPr>
+        <p:spPr>
+          <a:xfrm>
+            <a:off x="3967873" y="4887364"/>
+            <a:ext cx="3594254" cy="369332"/>
+          </a:xfrm>
+          <a:prstGeom prst="rect">
+            <a:avLst/>
+          </a:prstGeom>
+          <a:noFill/>
+        </p:spPr>
+        <p:txBody>
+          <a:bodyPr wrap="none" rtlCol="0">
+            <a:spAutoFit/>
+          </a:bodyPr>
+          <a:lstStyle/>
+          <a:p>
+            <a:r>
+              <a:rPr lang="ko-KR" altLang="en-US" dirty="0"/>
+              <a:t>일반 유저로 로그인 버튼 클릭 시</a:t>
+            </a:r>
+          </a:p>
+        </p:txBody>
+      </p:sp>
+      <p:sp>
+        <p:nvSpPr>
+          <p:cNvPr id="15" name="TextBox 14">
+            <a:extLst>
+              <a:ext uri="{FF2B5EF4-FFF2-40B4-BE49-F238E27FC236}">
+                <a16:creationId xmlns:a16="http://schemas.microsoft.com/office/drawing/2014/main" id="{3E4CA5CF-EE26-466F-8258-0E792C66A178}"/>
+              </a:ext>
+            </a:extLst>
+          </p:cNvPr>
+          <p:cNvSpPr txBox="1"/>
+          <p:nvPr/>
+        </p:nvSpPr>
+        <p:spPr>
+          <a:xfrm>
+            <a:off x="3967873" y="6161359"/>
+            <a:ext cx="3905236" cy="369332"/>
+          </a:xfrm>
+          <a:prstGeom prst="rect">
+            <a:avLst/>
+          </a:prstGeom>
+          <a:noFill/>
+        </p:spPr>
+        <p:txBody>
+          <a:bodyPr wrap="none" rtlCol="0">
+            <a:spAutoFit/>
+          </a:bodyPr>
+          <a:lstStyle/>
+          <a:p>
+            <a:r>
+              <a:rPr lang="en-US" altLang="ko-KR" dirty="0"/>
+              <a:t>Admin-Align </a:t>
+            </a:r>
+            <a:r>
+              <a:rPr lang="ko-KR" altLang="en-US" dirty="0"/>
+              <a:t>유저로 로그인 클릭 시</a:t>
+            </a:r>
+          </a:p>
+        </p:txBody>
+      </p:sp>
+      <p:cxnSp>
+        <p:nvCxnSpPr>
+          <p:cNvPr id="22" name="직선 화살표 연결선 21">
+            <a:extLst>
+              <a:ext uri="{FF2B5EF4-FFF2-40B4-BE49-F238E27FC236}">
+                <a16:creationId xmlns:a16="http://schemas.microsoft.com/office/drawing/2014/main" id="{D0F18720-5685-213E-967C-A9BB2F2446B7}"/>
+              </a:ext>
+            </a:extLst>
+          </p:cNvPr>
+          <p:cNvCxnSpPr>
+            <a:stCxn id="8" idx="3"/>
+          </p:cNvCxnSpPr>
+          <p:nvPr/>
+        </p:nvCxnSpPr>
+        <p:spPr>
+          <a:xfrm>
+            <a:off x="4544291" y="3245427"/>
+            <a:ext cx="314037" cy="0"/>
+          </a:xfrm>
+          <a:prstGeom prst="straightConnector1">
+            <a:avLst/>
+          </a:prstGeom>
+          <a:ln>
+            <a:headEnd type="triangle"/>
+            <a:tailEnd type="triangle"/>
+          </a:ln>
+        </p:spPr>
+        <p:style>
+          <a:lnRef idx="1">
+            <a:schemeClr val="accent1"/>
+          </a:lnRef>
+          <a:fillRef idx="0">
+            <a:schemeClr val="accent1"/>
+          </a:fillRef>
+          <a:effectRef idx="0">
+            <a:schemeClr val="accent1"/>
+          </a:effectRef>
+          <a:fontRef idx="minor">
+            <a:schemeClr val="tx1"/>
+          </a:fontRef>
+        </p:style>
+      </p:cxnSp>
     </p:spTree>
     <p:extLst>
       <p:ext uri="{BB962C8B-B14F-4D97-AF65-F5344CB8AC3E}">
@@ -4626,6 +4848,41 @@
           </a:fontRef>
         </p:style>
       </p:cxnSp>
+      <p:sp>
+        <p:nvSpPr>
+          <p:cNvPr id="2" name="TextBox 1">
+            <a:extLst>
+              <a:ext uri="{FF2B5EF4-FFF2-40B4-BE49-F238E27FC236}">
+                <a16:creationId xmlns:a16="http://schemas.microsoft.com/office/drawing/2014/main" id="{79D92AB8-4F47-C6F6-012E-145FC727D42D}"/>
+              </a:ext>
+            </a:extLst>
+          </p:cNvPr>
+          <p:cNvSpPr txBox="1"/>
+          <p:nvPr/>
+        </p:nvSpPr>
+        <p:spPr>
+          <a:xfrm>
+            <a:off x="2767162" y="751792"/>
+            <a:ext cx="1189749" cy="369332"/>
+          </a:xfrm>
+          <a:prstGeom prst="rect">
+            <a:avLst/>
+          </a:prstGeom>
+          <a:noFill/>
+        </p:spPr>
+        <p:txBody>
+          <a:bodyPr wrap="none" rtlCol="0">
+            <a:spAutoFit/>
+          </a:bodyPr>
+          <a:lstStyle/>
+          <a:p>
+            <a:r>
+              <a:rPr lang="ko-KR" altLang="en-US" dirty="0"/>
+              <a:t>자동 생성</a:t>
+            </a:r>
+          </a:p>
+        </p:txBody>
+      </p:sp>
     </p:spTree>
     <p:extLst>
       <p:ext uri="{BB962C8B-B14F-4D97-AF65-F5344CB8AC3E}">
@@ -4890,6 +5147,41 @@
           </a:fontRef>
         </p:style>
       </p:cxnSp>
+      <p:sp>
+        <p:nvSpPr>
+          <p:cNvPr id="2" name="TextBox 1">
+            <a:extLst>
+              <a:ext uri="{FF2B5EF4-FFF2-40B4-BE49-F238E27FC236}">
+                <a16:creationId xmlns:a16="http://schemas.microsoft.com/office/drawing/2014/main" id="{A3E0D9C0-BE00-C8F1-245F-475F52F504B2}"/>
+              </a:ext>
+            </a:extLst>
+          </p:cNvPr>
+          <p:cNvSpPr txBox="1"/>
+          <p:nvPr/>
+        </p:nvSpPr>
+        <p:spPr>
+          <a:xfrm>
+            <a:off x="2767162" y="751792"/>
+            <a:ext cx="1189749" cy="369332"/>
+          </a:xfrm>
+          <a:prstGeom prst="rect">
+            <a:avLst/>
+          </a:prstGeom>
+          <a:noFill/>
+        </p:spPr>
+        <p:txBody>
+          <a:bodyPr wrap="none" rtlCol="0">
+            <a:spAutoFit/>
+          </a:bodyPr>
+          <a:lstStyle/>
+          <a:p>
+            <a:r>
+              <a:rPr lang="ko-KR" altLang="en-US" dirty="0"/>
+              <a:t>자동 생성</a:t>
+            </a:r>
+          </a:p>
+        </p:txBody>
+      </p:sp>
     </p:spTree>
     <p:extLst>
       <p:ext uri="{BB962C8B-B14F-4D97-AF65-F5344CB8AC3E}">
@@ -5133,48 +5425,6 @@
       </p:sp>
       <p:cxnSp>
         <p:nvCxnSpPr>
-          <p:cNvPr id="8" name="직선 화살표 연결선 7">
-            <a:extLst>
-              <a:ext uri="{FF2B5EF4-FFF2-40B4-BE49-F238E27FC236}">
-                <a16:creationId xmlns:a16="http://schemas.microsoft.com/office/drawing/2014/main" id="{6809E7E2-DB96-0CC8-E1A9-9EAC161EDF6B}"/>
-              </a:ext>
-            </a:extLst>
-          </p:cNvPr>
-          <p:cNvCxnSpPr>
-            <a:stCxn id="14" idx="3"/>
-            <a:endCxn id="11" idx="1"/>
-          </p:cNvCxnSpPr>
-          <p:nvPr/>
-        </p:nvCxnSpPr>
-        <p:spPr>
-          <a:xfrm>
-            <a:off x="3048000" y="1499754"/>
-            <a:ext cx="314037" cy="0"/>
-          </a:xfrm>
-          <a:prstGeom prst="straightConnector1">
-            <a:avLst/>
-          </a:prstGeom>
-          <a:ln>
-            <a:tailEnd type="triangle"/>
-          </a:ln>
-        </p:spPr>
-        <p:style>
-          <a:lnRef idx="1">
-            <a:schemeClr val="accent1"/>
-          </a:lnRef>
-          <a:fillRef idx="0">
-            <a:schemeClr val="accent1"/>
-          </a:fillRef>
-          <a:effectRef idx="0">
-            <a:schemeClr val="accent1"/>
-          </a:effectRef>
-          <a:fontRef idx="minor">
-            <a:schemeClr val="tx1"/>
-          </a:fontRef>
-        </p:style>
-      </p:cxnSp>
-      <p:cxnSp>
-        <p:nvCxnSpPr>
           <p:cNvPr id="10" name="연결선: 꺾임 9">
             <a:extLst>
               <a:ext uri="{FF2B5EF4-FFF2-40B4-BE49-F238E27FC236}">
@@ -5239,6 +5489,170 @@
             <a:avLst/>
           </a:prstGeom>
           <a:ln>
+            <a:tailEnd type="triangle"/>
+          </a:ln>
+        </p:spPr>
+        <p:style>
+          <a:lnRef idx="1">
+            <a:schemeClr val="accent1"/>
+          </a:lnRef>
+          <a:fillRef idx="0">
+            <a:schemeClr val="accent1"/>
+          </a:fillRef>
+          <a:effectRef idx="0">
+            <a:schemeClr val="accent1"/>
+          </a:effectRef>
+          <a:fontRef idx="minor">
+            <a:schemeClr val="tx1"/>
+          </a:fontRef>
+        </p:style>
+      </p:cxnSp>
+      <p:sp>
+        <p:nvSpPr>
+          <p:cNvPr id="2" name="TextBox 1">
+            <a:extLst>
+              <a:ext uri="{FF2B5EF4-FFF2-40B4-BE49-F238E27FC236}">
+                <a16:creationId xmlns:a16="http://schemas.microsoft.com/office/drawing/2014/main" id="{0D3322F9-AFEA-0DEC-5676-5289B661A146}"/>
+              </a:ext>
+            </a:extLst>
+          </p:cNvPr>
+          <p:cNvSpPr txBox="1"/>
+          <p:nvPr/>
+        </p:nvSpPr>
+        <p:spPr>
+          <a:xfrm>
+            <a:off x="2767162" y="751792"/>
+            <a:ext cx="2321469" cy="369332"/>
+          </a:xfrm>
+          <a:prstGeom prst="rect">
+            <a:avLst/>
+          </a:prstGeom>
+          <a:noFill/>
+        </p:spPr>
+        <p:txBody>
+          <a:bodyPr wrap="none" rtlCol="0">
+            <a:spAutoFit/>
+          </a:bodyPr>
+          <a:lstStyle/>
+          <a:p>
+            <a:r>
+              <a:rPr lang="en-US" altLang="ko-KR" dirty="0"/>
+              <a:t>Setting </a:t>
+            </a:r>
+            <a:r>
+              <a:rPr lang="ko-KR" altLang="en-US" dirty="0"/>
+              <a:t>버튼 클릭 시</a:t>
+            </a:r>
+          </a:p>
+        </p:txBody>
+      </p:sp>
+      <p:sp>
+        <p:nvSpPr>
+          <p:cNvPr id="3" name="TextBox 2">
+            <a:extLst>
+              <a:ext uri="{FF2B5EF4-FFF2-40B4-BE49-F238E27FC236}">
+                <a16:creationId xmlns:a16="http://schemas.microsoft.com/office/drawing/2014/main" id="{2899AE11-4C8B-09DF-EFFF-73331E15F7C6}"/>
+              </a:ext>
+            </a:extLst>
+          </p:cNvPr>
+          <p:cNvSpPr txBox="1"/>
+          <p:nvPr/>
+        </p:nvSpPr>
+        <p:spPr>
+          <a:xfrm>
+            <a:off x="2767161" y="1910010"/>
+            <a:ext cx="2864887" cy="369332"/>
+          </a:xfrm>
+          <a:prstGeom prst="rect">
+            <a:avLst/>
+          </a:prstGeom>
+          <a:noFill/>
+        </p:spPr>
+        <p:txBody>
+          <a:bodyPr wrap="none" rtlCol="0">
+            <a:spAutoFit/>
+          </a:bodyPr>
+          <a:lstStyle/>
+          <a:p>
+            <a:r>
+              <a:rPr lang="en-US" altLang="ko-KR" dirty="0" err="1"/>
+              <a:t>FileManager</a:t>
+            </a:r>
+            <a:r>
+              <a:rPr lang="en-US" altLang="ko-KR" dirty="0"/>
+              <a:t> </a:t>
+            </a:r>
+            <a:r>
+              <a:rPr lang="ko-KR" altLang="en-US" dirty="0"/>
+              <a:t>버튼 클릭 시</a:t>
+            </a:r>
+          </a:p>
+        </p:txBody>
+      </p:sp>
+      <p:sp>
+        <p:nvSpPr>
+          <p:cNvPr id="4" name="TextBox 3">
+            <a:extLst>
+              <a:ext uri="{FF2B5EF4-FFF2-40B4-BE49-F238E27FC236}">
+                <a16:creationId xmlns:a16="http://schemas.microsoft.com/office/drawing/2014/main" id="{C61FF6F6-ED19-F4B0-BEDA-3B659D0BC3E6}"/>
+              </a:ext>
+            </a:extLst>
+          </p:cNvPr>
+          <p:cNvSpPr txBox="1"/>
+          <p:nvPr/>
+        </p:nvSpPr>
+        <p:spPr>
+          <a:xfrm>
+            <a:off x="2786535" y="3128784"/>
+            <a:ext cx="2898486" cy="369332"/>
+          </a:xfrm>
+          <a:prstGeom prst="rect">
+            <a:avLst/>
+          </a:prstGeom>
+          <a:noFill/>
+        </p:spPr>
+        <p:txBody>
+          <a:bodyPr wrap="none" rtlCol="0">
+            <a:spAutoFit/>
+          </a:bodyPr>
+          <a:lstStyle/>
+          <a:p>
+            <a:r>
+              <a:rPr lang="en-US" altLang="ko-KR" dirty="0"/>
+              <a:t>Enforcement </a:t>
+            </a:r>
+            <a:r>
+              <a:rPr lang="ko-KR" altLang="en-US" dirty="0"/>
+              <a:t>버튼 클릭 시</a:t>
+            </a:r>
+          </a:p>
+        </p:txBody>
+      </p:sp>
+      <p:cxnSp>
+        <p:nvCxnSpPr>
+          <p:cNvPr id="6" name="직선 화살표 연결선 5">
+            <a:extLst>
+              <a:ext uri="{FF2B5EF4-FFF2-40B4-BE49-F238E27FC236}">
+                <a16:creationId xmlns:a16="http://schemas.microsoft.com/office/drawing/2014/main" id="{57FE5041-88EB-4597-E229-A116023E2D77}"/>
+              </a:ext>
+            </a:extLst>
+          </p:cNvPr>
+          <p:cNvCxnSpPr>
+            <a:stCxn id="14" idx="3"/>
+            <a:endCxn id="11" idx="1"/>
+          </p:cNvCxnSpPr>
+          <p:nvPr/>
+        </p:nvCxnSpPr>
+        <p:spPr>
+          <a:xfrm>
+            <a:off x="3048000" y="1499754"/>
+            <a:ext cx="314037" cy="0"/>
+          </a:xfrm>
+          <a:prstGeom prst="straightConnector1">
+            <a:avLst/>
+          </a:prstGeom>
+          <a:ln>
+            <a:headEnd type="triangle"/>
             <a:tailEnd type="triangle"/>
           </a:ln>
         </p:spPr>
@@ -6395,6 +6809,173 @@
           </a:p>
         </p:txBody>
       </p:sp>
+      <p:sp>
+        <p:nvSpPr>
+          <p:cNvPr id="5" name="TextBox 4">
+            <a:extLst>
+              <a:ext uri="{FF2B5EF4-FFF2-40B4-BE49-F238E27FC236}">
+                <a16:creationId xmlns:a16="http://schemas.microsoft.com/office/drawing/2014/main" id="{8FF3E1A3-BE74-6DA7-50B2-9E2F9E097A7F}"/>
+              </a:ext>
+            </a:extLst>
+          </p:cNvPr>
+          <p:cNvSpPr txBox="1"/>
+          <p:nvPr/>
+        </p:nvSpPr>
+        <p:spPr>
+          <a:xfrm>
+            <a:off x="2067750" y="415757"/>
+            <a:ext cx="1189749" cy="369332"/>
+          </a:xfrm>
+          <a:prstGeom prst="rect">
+            <a:avLst/>
+          </a:prstGeom>
+          <a:noFill/>
+        </p:spPr>
+        <p:txBody>
+          <a:bodyPr wrap="none" rtlCol="0">
+            <a:spAutoFit/>
+          </a:bodyPr>
+          <a:lstStyle/>
+          <a:p>
+            <a:r>
+              <a:rPr lang="ko-KR" altLang="en-US" dirty="0"/>
+              <a:t>자동 생성</a:t>
+            </a:r>
+          </a:p>
+        </p:txBody>
+      </p:sp>
+      <p:sp>
+        <p:nvSpPr>
+          <p:cNvPr id="9" name="TextBox 8">
+            <a:extLst>
+              <a:ext uri="{FF2B5EF4-FFF2-40B4-BE49-F238E27FC236}">
+                <a16:creationId xmlns:a16="http://schemas.microsoft.com/office/drawing/2014/main" id="{B011A5A7-12F2-8C64-9488-BEA1E5B88841}"/>
+              </a:ext>
+            </a:extLst>
+          </p:cNvPr>
+          <p:cNvSpPr txBox="1"/>
+          <p:nvPr/>
+        </p:nvSpPr>
+        <p:spPr>
+          <a:xfrm>
+            <a:off x="4767607" y="1485353"/>
+            <a:ext cx="2103781" cy="369332"/>
+          </a:xfrm>
+          <a:prstGeom prst="rect">
+            <a:avLst/>
+          </a:prstGeom>
+          <a:noFill/>
+        </p:spPr>
+        <p:txBody>
+          <a:bodyPr wrap="none" rtlCol="0">
+            <a:spAutoFit/>
+          </a:bodyPr>
+          <a:lstStyle/>
+          <a:p>
+            <a:r>
+              <a:rPr lang="en-US" altLang="ko-KR" dirty="0" err="1"/>
+              <a:t>SystemInfo</a:t>
+            </a:r>
+            <a:r>
+              <a:rPr lang="en-US" altLang="ko-KR" dirty="0"/>
+              <a:t> </a:t>
+            </a:r>
+            <a:r>
+              <a:rPr lang="ko-KR" altLang="en-US" dirty="0" err="1"/>
+              <a:t>클릭시</a:t>
+            </a:r>
+            <a:endParaRPr lang="ko-KR" altLang="en-US" dirty="0"/>
+          </a:p>
+        </p:txBody>
+      </p:sp>
+      <p:sp>
+        <p:nvSpPr>
+          <p:cNvPr id="15" name="TextBox 14">
+            <a:extLst>
+              <a:ext uri="{FF2B5EF4-FFF2-40B4-BE49-F238E27FC236}">
+                <a16:creationId xmlns:a16="http://schemas.microsoft.com/office/drawing/2014/main" id="{4DFDFE62-DEB7-A7DC-F574-0E99B83055B6}"/>
+              </a:ext>
+            </a:extLst>
+          </p:cNvPr>
+          <p:cNvSpPr txBox="1"/>
+          <p:nvPr/>
+        </p:nvSpPr>
+        <p:spPr>
+          <a:xfrm>
+            <a:off x="4767607" y="2417257"/>
+            <a:ext cx="2467791" cy="369332"/>
+          </a:xfrm>
+          <a:prstGeom prst="rect">
+            <a:avLst/>
+          </a:prstGeom>
+          <a:noFill/>
+        </p:spPr>
+        <p:txBody>
+          <a:bodyPr wrap="none" rtlCol="0">
+            <a:spAutoFit/>
+          </a:bodyPr>
+          <a:lstStyle/>
+          <a:p>
+            <a:r>
+              <a:rPr lang="en-US" altLang="ko-KR" dirty="0" err="1"/>
+              <a:t>FactoryDefault</a:t>
+            </a:r>
+            <a:r>
+              <a:rPr lang="en-US" altLang="ko-KR" dirty="0"/>
+              <a:t> </a:t>
+            </a:r>
+            <a:r>
+              <a:rPr lang="ko-KR" altLang="en-US" dirty="0" err="1"/>
+              <a:t>클릭시</a:t>
+            </a:r>
+            <a:endParaRPr lang="ko-KR" altLang="en-US" dirty="0"/>
+          </a:p>
+        </p:txBody>
+      </p:sp>
+      <p:sp>
+        <p:nvSpPr>
+          <p:cNvPr id="17" name="TextBox 16">
+            <a:extLst>
+              <a:ext uri="{FF2B5EF4-FFF2-40B4-BE49-F238E27FC236}">
+                <a16:creationId xmlns:a16="http://schemas.microsoft.com/office/drawing/2014/main" id="{642F6B6E-CF06-2266-AB5C-16B4309B03AF}"/>
+              </a:ext>
+            </a:extLst>
+          </p:cNvPr>
+          <p:cNvSpPr txBox="1"/>
+          <p:nvPr/>
+        </p:nvSpPr>
+        <p:spPr>
+          <a:xfrm>
+            <a:off x="4767607" y="3508148"/>
+            <a:ext cx="2926635" cy="369332"/>
+          </a:xfrm>
+          <a:prstGeom prst="rect">
+            <a:avLst/>
+          </a:prstGeom>
+          <a:noFill/>
+        </p:spPr>
+        <p:txBody>
+          <a:bodyPr wrap="none" rtlCol="0">
+            <a:spAutoFit/>
+          </a:bodyPr>
+          <a:lstStyle/>
+          <a:p>
+            <a:r>
+              <a:rPr lang="en-US" altLang="ko-KR" dirty="0" err="1"/>
+              <a:t>PasswordChanging</a:t>
+            </a:r>
+            <a:r>
+              <a:rPr lang="en-US" altLang="ko-KR" dirty="0"/>
+              <a:t> </a:t>
+            </a:r>
+            <a:r>
+              <a:rPr lang="ko-KR" altLang="en-US" dirty="0" err="1"/>
+              <a:t>클릭시</a:t>
+            </a:r>
+            <a:endParaRPr lang="ko-KR" altLang="en-US" dirty="0"/>
+          </a:p>
+        </p:txBody>
+      </p:sp>
     </p:spTree>
     <p:extLst>
       <p:ext uri="{BB962C8B-B14F-4D97-AF65-F5344CB8AC3E}">
@@ -6762,6 +7343,142 @@
           </a:fontRef>
         </p:style>
       </p:cxnSp>
+      <p:sp>
+        <p:nvSpPr>
+          <p:cNvPr id="4" name="TextBox 3">
+            <a:extLst>
+              <a:ext uri="{FF2B5EF4-FFF2-40B4-BE49-F238E27FC236}">
+                <a16:creationId xmlns:a16="http://schemas.microsoft.com/office/drawing/2014/main" id="{D3BE2E01-A4F4-23DD-3EBF-521A2014ADC1}"/>
+              </a:ext>
+            </a:extLst>
+          </p:cNvPr>
+          <p:cNvSpPr txBox="1"/>
+          <p:nvPr/>
+        </p:nvSpPr>
+        <p:spPr>
+          <a:xfrm>
+            <a:off x="2863175" y="682975"/>
+            <a:ext cx="1963999" cy="369332"/>
+          </a:xfrm>
+          <a:prstGeom prst="rect">
+            <a:avLst/>
+          </a:prstGeom>
+          <a:noFill/>
+        </p:spPr>
+        <p:txBody>
+          <a:bodyPr wrap="none" rtlCol="0">
+            <a:spAutoFit/>
+          </a:bodyPr>
+          <a:lstStyle/>
+          <a:p>
+            <a:r>
+              <a:rPr lang="ko-KR" altLang="en-US" dirty="0"/>
+              <a:t>날짜 버튼 </a:t>
+            </a:r>
+            <a:r>
+              <a:rPr lang="ko-KR" altLang="en-US" dirty="0" err="1"/>
+              <a:t>클릭시</a:t>
+            </a:r>
+            <a:endParaRPr lang="ko-KR" altLang="en-US" dirty="0"/>
+          </a:p>
+        </p:txBody>
+      </p:sp>
+      <p:sp>
+        <p:nvSpPr>
+          <p:cNvPr id="5" name="TextBox 4">
+            <a:extLst>
+              <a:ext uri="{FF2B5EF4-FFF2-40B4-BE49-F238E27FC236}">
+                <a16:creationId xmlns:a16="http://schemas.microsoft.com/office/drawing/2014/main" id="{B82F1D86-F26C-71D6-07D0-9F1F72FD24DD}"/>
+              </a:ext>
+            </a:extLst>
+          </p:cNvPr>
+          <p:cNvSpPr txBox="1"/>
+          <p:nvPr/>
+        </p:nvSpPr>
+        <p:spPr>
+          <a:xfrm>
+            <a:off x="2863175" y="1956499"/>
+            <a:ext cx="3554178" cy="369332"/>
+          </a:xfrm>
+          <a:prstGeom prst="rect">
+            <a:avLst/>
+          </a:prstGeom>
+          <a:noFill/>
+        </p:spPr>
+        <p:txBody>
+          <a:bodyPr wrap="none" rtlCol="0">
+            <a:spAutoFit/>
+          </a:bodyPr>
+          <a:lstStyle/>
+          <a:p>
+            <a:r>
+              <a:rPr lang="ko-KR" altLang="en-US" dirty="0"/>
+              <a:t>동영상 선택 후 </a:t>
+            </a:r>
+            <a:r>
+              <a:rPr lang="en-US" altLang="ko-KR" dirty="0"/>
+              <a:t>Play</a:t>
+            </a:r>
+            <a:r>
+              <a:rPr lang="ko-KR" altLang="en-US" dirty="0"/>
+              <a:t> 버튼 </a:t>
+            </a:r>
+            <a:r>
+              <a:rPr lang="ko-KR" altLang="en-US" dirty="0" err="1"/>
+              <a:t>클릭시</a:t>
+            </a:r>
+            <a:endParaRPr lang="ko-KR" altLang="en-US" dirty="0"/>
+          </a:p>
+        </p:txBody>
+      </p:sp>
+      <p:sp>
+        <p:nvSpPr>
+          <p:cNvPr id="6" name="TextBox 5">
+            <a:extLst>
+              <a:ext uri="{FF2B5EF4-FFF2-40B4-BE49-F238E27FC236}">
+                <a16:creationId xmlns:a16="http://schemas.microsoft.com/office/drawing/2014/main" id="{A74D70B2-FBBD-6FFF-6D90-CDBB79EC1DBF}"/>
+              </a:ext>
+            </a:extLst>
+          </p:cNvPr>
+          <p:cNvSpPr txBox="1"/>
+          <p:nvPr/>
+        </p:nvSpPr>
+        <p:spPr>
+          <a:xfrm>
+            <a:off x="2863174" y="3184729"/>
+            <a:ext cx="3746538" cy="369332"/>
+          </a:xfrm>
+          <a:prstGeom prst="rect">
+            <a:avLst/>
+          </a:prstGeom>
+          <a:noFill/>
+        </p:spPr>
+        <p:txBody>
+          <a:bodyPr wrap="none" rtlCol="0">
+            <a:spAutoFit/>
+          </a:bodyPr>
+          <a:lstStyle/>
+          <a:p>
+            <a:r>
+              <a:rPr lang="ko-KR" altLang="en-US" dirty="0"/>
+              <a:t>이미지 선택 후 </a:t>
+            </a:r>
+            <a:r>
+              <a:rPr lang="en-US" altLang="ko-KR" dirty="0"/>
+              <a:t>Zoom</a:t>
+            </a:r>
+            <a:r>
+              <a:rPr lang="ko-KR" altLang="en-US" dirty="0"/>
+              <a:t> 버튼 </a:t>
+            </a:r>
+            <a:r>
+              <a:rPr lang="ko-KR" altLang="en-US" dirty="0" err="1"/>
+              <a:t>클릭시</a:t>
+            </a:r>
+            <a:endParaRPr lang="ko-KR" altLang="en-US" dirty="0"/>
+          </a:p>
+        </p:txBody>
+      </p:sp>
     </p:spTree>
     <p:extLst>
       <p:ext uri="{BB962C8B-B14F-4D97-AF65-F5344CB8AC3E}">
@@ -7120,6 +7837,142 @@
           </a:fontRef>
         </p:style>
       </p:cxnSp>
+      <p:sp>
+        <p:nvSpPr>
+          <p:cNvPr id="5" name="TextBox 4">
+            <a:extLst>
+              <a:ext uri="{FF2B5EF4-FFF2-40B4-BE49-F238E27FC236}">
+                <a16:creationId xmlns:a16="http://schemas.microsoft.com/office/drawing/2014/main" id="{69A098B6-B7FF-7037-E047-80A2999685B2}"/>
+              </a:ext>
+            </a:extLst>
+          </p:cNvPr>
+          <p:cNvSpPr txBox="1"/>
+          <p:nvPr/>
+        </p:nvSpPr>
+        <p:spPr>
+          <a:xfrm>
+            <a:off x="2863175" y="682975"/>
+            <a:ext cx="2419252" cy="369332"/>
+          </a:xfrm>
+          <a:prstGeom prst="rect">
+            <a:avLst/>
+          </a:prstGeom>
+          <a:noFill/>
+        </p:spPr>
+        <p:txBody>
+          <a:bodyPr wrap="none" rtlCol="0">
+            <a:spAutoFit/>
+          </a:bodyPr>
+          <a:lstStyle/>
+          <a:p>
+            <a:r>
+              <a:rPr lang="en-US" altLang="ko-KR" dirty="0" err="1"/>
+              <a:t>DeviceID</a:t>
+            </a:r>
+            <a:r>
+              <a:rPr lang="ko-KR" altLang="en-US" dirty="0"/>
+              <a:t> 버튼 </a:t>
+            </a:r>
+            <a:r>
+              <a:rPr lang="ko-KR" altLang="en-US" dirty="0" err="1"/>
+              <a:t>클릭시</a:t>
+            </a:r>
+            <a:endParaRPr lang="ko-KR" altLang="en-US" dirty="0"/>
+          </a:p>
+        </p:txBody>
+      </p:sp>
+      <p:sp>
+        <p:nvSpPr>
+          <p:cNvPr id="6" name="TextBox 5">
+            <a:extLst>
+              <a:ext uri="{FF2B5EF4-FFF2-40B4-BE49-F238E27FC236}">
+                <a16:creationId xmlns:a16="http://schemas.microsoft.com/office/drawing/2014/main" id="{2947AB3C-241C-2E48-D440-213927D7D9FF}"/>
+              </a:ext>
+            </a:extLst>
+          </p:cNvPr>
+          <p:cNvSpPr txBox="1"/>
+          <p:nvPr/>
+        </p:nvSpPr>
+        <p:spPr>
+          <a:xfrm>
+            <a:off x="2863175" y="1956499"/>
+            <a:ext cx="3324115" cy="369332"/>
+          </a:xfrm>
+          <a:prstGeom prst="rect">
+            <a:avLst/>
+          </a:prstGeom>
+          <a:noFill/>
+        </p:spPr>
+        <p:txBody>
+          <a:bodyPr wrap="none" rtlCol="0">
+            <a:spAutoFit/>
+          </a:bodyPr>
+          <a:lstStyle/>
+          <a:p>
+            <a:r>
+              <a:rPr lang="en-US" altLang="ko-KR" dirty="0" err="1"/>
+              <a:t>CameraHUDAlign</a:t>
+            </a:r>
+            <a:r>
+              <a:rPr lang="en-US" altLang="ko-KR" dirty="0"/>
+              <a:t> </a:t>
+            </a:r>
+            <a:r>
+              <a:rPr lang="ko-KR" altLang="en-US" dirty="0"/>
+              <a:t>버튼 </a:t>
+            </a:r>
+            <a:r>
+              <a:rPr lang="ko-KR" altLang="en-US" dirty="0" err="1"/>
+              <a:t>클릭시</a:t>
+            </a:r>
+            <a:endParaRPr lang="ko-KR" altLang="en-US" dirty="0"/>
+          </a:p>
+        </p:txBody>
+      </p:sp>
+      <p:sp>
+        <p:nvSpPr>
+          <p:cNvPr id="7" name="TextBox 6">
+            <a:extLst>
+              <a:ext uri="{FF2B5EF4-FFF2-40B4-BE49-F238E27FC236}">
+                <a16:creationId xmlns:a16="http://schemas.microsoft.com/office/drawing/2014/main" id="{3A125CB1-E880-D969-516E-B2CAB3A284FF}"/>
+              </a:ext>
+            </a:extLst>
+          </p:cNvPr>
+          <p:cNvSpPr txBox="1"/>
+          <p:nvPr/>
+        </p:nvSpPr>
+        <p:spPr>
+          <a:xfrm>
+            <a:off x="2863174" y="3184729"/>
+            <a:ext cx="3506088" cy="369332"/>
+          </a:xfrm>
+          <a:prstGeom prst="rect">
+            <a:avLst/>
+          </a:prstGeom>
+          <a:noFill/>
+        </p:spPr>
+        <p:txBody>
+          <a:bodyPr wrap="none" rtlCol="0">
+            <a:spAutoFit/>
+          </a:bodyPr>
+          <a:lstStyle/>
+          <a:p>
+            <a:r>
+              <a:rPr lang="en-US" altLang="ko-KR" dirty="0" err="1"/>
+              <a:t>CameraZoomFocus</a:t>
+            </a:r>
+            <a:r>
+              <a:rPr lang="ko-KR" altLang="en-US" dirty="0"/>
+              <a:t> 버튼 </a:t>
+            </a:r>
+            <a:r>
+              <a:rPr lang="ko-KR" altLang="en-US" dirty="0" err="1"/>
+              <a:t>클릭시</a:t>
+            </a:r>
+            <a:endParaRPr lang="ko-KR" altLang="en-US" dirty="0"/>
+          </a:p>
+        </p:txBody>
+      </p:sp>
     </p:spTree>
     <p:extLst>
       <p:ext uri="{BB962C8B-B14F-4D97-AF65-F5344CB8AC3E}">
